--- a/docs/Drawings.pptx
+++ b/docs/Drawings.pptx
@@ -6,6 +6,7 @@
   </p:sldMasterIdLst>
   <p:sldIdLst>
     <p:sldId id="257" r:id="rId2"/>
+    <p:sldId id="258" r:id="rId3"/>
   </p:sldIdLst>
   <p:sldSz cx="12192000" cy="6858000"/>
   <p:notesSz cx="6858000" cy="9144000"/>
@@ -104,6 +105,11 @@
       </a:defRPr>
     </a:lvl9pPr>
   </p:defaultTextStyle>
+  <p:extLst>
+    <p:ext uri="{EFAFB233-063F-42B5-8137-9DF3F51BA10A}">
+      <p15:sldGuideLst xmlns:p15="http://schemas.microsoft.com/office/powerpoint/2012/main"/>
+    </p:ext>
+  </p:extLst>
 </p:presentation>
 </file>
 
@@ -254,7 +260,7 @@
           <a:p>
             <a:fld id="{9ECD910C-8BE4-EC4D-BA5B-0DC2C7D92FAD}" type="datetimeFigureOut">
               <a:rPr lang="en-US" smtClean="0"/>
-              <a:t>1/13/23</a:t>
+              <a:t>2/20/23</a:t>
             </a:fld>
             <a:endParaRPr lang="en-US"/>
           </a:p>
@@ -452,7 +458,7 @@
           <a:p>
             <a:fld id="{9ECD910C-8BE4-EC4D-BA5B-0DC2C7D92FAD}" type="datetimeFigureOut">
               <a:rPr lang="en-US" smtClean="0"/>
-              <a:t>1/13/23</a:t>
+              <a:t>2/20/23</a:t>
             </a:fld>
             <a:endParaRPr lang="en-US"/>
           </a:p>
@@ -660,7 +666,7 @@
           <a:p>
             <a:fld id="{9ECD910C-8BE4-EC4D-BA5B-0DC2C7D92FAD}" type="datetimeFigureOut">
               <a:rPr lang="en-US" smtClean="0"/>
-              <a:t>1/13/23</a:t>
+              <a:t>2/20/23</a:t>
             </a:fld>
             <a:endParaRPr lang="en-US"/>
           </a:p>
@@ -858,7 +864,7 @@
           <a:p>
             <a:fld id="{9ECD910C-8BE4-EC4D-BA5B-0DC2C7D92FAD}" type="datetimeFigureOut">
               <a:rPr lang="en-US" smtClean="0"/>
-              <a:t>1/13/23</a:t>
+              <a:t>2/20/23</a:t>
             </a:fld>
             <a:endParaRPr lang="en-US"/>
           </a:p>
@@ -1133,7 +1139,7 @@
           <a:p>
             <a:fld id="{9ECD910C-8BE4-EC4D-BA5B-0DC2C7D92FAD}" type="datetimeFigureOut">
               <a:rPr lang="en-US" smtClean="0"/>
-              <a:t>1/13/23</a:t>
+              <a:t>2/20/23</a:t>
             </a:fld>
             <a:endParaRPr lang="en-US"/>
           </a:p>
@@ -1398,7 +1404,7 @@
           <a:p>
             <a:fld id="{9ECD910C-8BE4-EC4D-BA5B-0DC2C7D92FAD}" type="datetimeFigureOut">
               <a:rPr lang="en-US" smtClean="0"/>
-              <a:t>1/13/23</a:t>
+              <a:t>2/20/23</a:t>
             </a:fld>
             <a:endParaRPr lang="en-US"/>
           </a:p>
@@ -1810,7 +1816,7 @@
           <a:p>
             <a:fld id="{9ECD910C-8BE4-EC4D-BA5B-0DC2C7D92FAD}" type="datetimeFigureOut">
               <a:rPr lang="en-US" smtClean="0"/>
-              <a:t>1/13/23</a:t>
+              <a:t>2/20/23</a:t>
             </a:fld>
             <a:endParaRPr lang="en-US"/>
           </a:p>
@@ -1951,7 +1957,7 @@
           <a:p>
             <a:fld id="{9ECD910C-8BE4-EC4D-BA5B-0DC2C7D92FAD}" type="datetimeFigureOut">
               <a:rPr lang="en-US" smtClean="0"/>
-              <a:t>1/13/23</a:t>
+              <a:t>2/20/23</a:t>
             </a:fld>
             <a:endParaRPr lang="en-US"/>
           </a:p>
@@ -2064,7 +2070,7 @@
           <a:p>
             <a:fld id="{9ECD910C-8BE4-EC4D-BA5B-0DC2C7D92FAD}" type="datetimeFigureOut">
               <a:rPr lang="en-US" smtClean="0"/>
-              <a:t>1/13/23</a:t>
+              <a:t>2/20/23</a:t>
             </a:fld>
             <a:endParaRPr lang="en-US"/>
           </a:p>
@@ -2375,7 +2381,7 @@
           <a:p>
             <a:fld id="{9ECD910C-8BE4-EC4D-BA5B-0DC2C7D92FAD}" type="datetimeFigureOut">
               <a:rPr lang="en-US" smtClean="0"/>
-              <a:t>1/13/23</a:t>
+              <a:t>2/20/23</a:t>
             </a:fld>
             <a:endParaRPr lang="en-US"/>
           </a:p>
@@ -2663,7 +2669,7 @@
           <a:p>
             <a:fld id="{9ECD910C-8BE4-EC4D-BA5B-0DC2C7D92FAD}" type="datetimeFigureOut">
               <a:rPr lang="en-US" smtClean="0"/>
-              <a:t>1/13/23</a:t>
+              <a:t>2/20/23</a:t>
             </a:fld>
             <a:endParaRPr lang="en-US"/>
           </a:p>
@@ -2904,7 +2910,7 @@
           <a:p>
             <a:fld id="{9ECD910C-8BE4-EC4D-BA5B-0DC2C7D92FAD}" type="datetimeFigureOut">
               <a:rPr lang="en-US" smtClean="0"/>
-              <a:t>1/13/23</a:t>
+              <a:t>2/20/23</a:t>
             </a:fld>
             <a:endParaRPr lang="en-US"/>
           </a:p>
@@ -3693,6 +3699,534 @@
 </p:sld>
 </file>
 
+<file path=ppt/slides/slide2.xml><?xml version="1.0" encoding="utf-8"?>
+<p:sld xmlns:a="http://schemas.openxmlformats.org/drawingml/2006/main" xmlns:r="http://schemas.openxmlformats.org/officeDocument/2006/relationships" xmlns:p="http://schemas.openxmlformats.org/presentationml/2006/main">
+  <p:cSld>
+    <p:spTree>
+      <p:nvGrpSpPr>
+        <p:cNvPr id="1" name=""/>
+        <p:cNvGrpSpPr/>
+        <p:nvPr/>
+      </p:nvGrpSpPr>
+      <p:grpSpPr>
+        <a:xfrm>
+          <a:off x="0" y="0"/>
+          <a:ext cx="0" cy="0"/>
+          <a:chOff x="0" y="0"/>
+          <a:chExt cx="0" cy="0"/>
+        </a:xfrm>
+      </p:grpSpPr>
+      <p:sp>
+        <p:nvSpPr>
+          <p:cNvPr id="2" name="Title 1">
+            <a:extLst>
+              <a:ext uri="{FF2B5EF4-FFF2-40B4-BE49-F238E27FC236}">
+                <a16:creationId xmlns:a16="http://schemas.microsoft.com/office/drawing/2014/main" id="{AD41B0BD-4481-84C9-D4AC-CE94E0441135}"/>
+              </a:ext>
+            </a:extLst>
+          </p:cNvPr>
+          <p:cNvSpPr>
+            <a:spLocks noGrp="1"/>
+          </p:cNvSpPr>
+          <p:nvPr>
+            <p:ph type="title"/>
+          </p:nvPr>
+        </p:nvSpPr>
+        <p:spPr>
+          <a:xfrm>
+            <a:off x="838200" y="365125"/>
+            <a:ext cx="2937387" cy="670461"/>
+          </a:xfrm>
+        </p:spPr>
+        <p:txBody>
+          <a:bodyPr>
+            <a:normAutofit fontScale="90000"/>
+          </a:bodyPr>
+          <a:lstStyle/>
+          <a:p>
+            <a:r>
+              <a:rPr lang="en-US" dirty="0"/>
+              <a:t>Team 2393</a:t>
+            </a:r>
+          </a:p>
+        </p:txBody>
+      </p:sp>
+      <p:pic>
+        <p:nvPicPr>
+          <p:cNvPr id="4" name="image9.png">
+            <a:extLst>
+              <a:ext uri="{FF2B5EF4-FFF2-40B4-BE49-F238E27FC236}">
+                <a16:creationId xmlns:a16="http://schemas.microsoft.com/office/drawing/2014/main" id="{00000000-0008-0000-0400-000006000000}"/>
+              </a:ext>
+            </a:extLst>
+          </p:cNvPr>
+          <p:cNvPicPr/>
+          <p:nvPr/>
+        </p:nvPicPr>
+        <p:blipFill>
+          <a:blip r:embed="rId2"/>
+          <a:stretch/>
+        </p:blipFill>
+        <p:spPr>
+          <a:xfrm>
+            <a:off x="1504261" y="2036183"/>
+            <a:ext cx="8598205" cy="4821817"/>
+          </a:xfrm>
+          <a:prstGeom prst="rect">
+            <a:avLst/>
+          </a:prstGeom>
+          <a:ln w="0">
+            <a:noFill/>
+          </a:ln>
+        </p:spPr>
+      </p:pic>
+      <p:sp>
+        <p:nvSpPr>
+          <p:cNvPr id="5" name="TextBox 4">
+            <a:extLst>
+              <a:ext uri="{FF2B5EF4-FFF2-40B4-BE49-F238E27FC236}">
+                <a16:creationId xmlns:a16="http://schemas.microsoft.com/office/drawing/2014/main" id="{4776BF72-8876-5CEC-A44B-2A5EBD6094F0}"/>
+              </a:ext>
+            </a:extLst>
+          </p:cNvPr>
+          <p:cNvSpPr txBox="1"/>
+          <p:nvPr/>
+        </p:nvSpPr>
+        <p:spPr>
+          <a:xfrm>
+            <a:off x="10102466" y="5034709"/>
+            <a:ext cx="799258" cy="369332"/>
+          </a:xfrm>
+          <a:prstGeom prst="rect">
+            <a:avLst/>
+          </a:prstGeom>
+          <a:noFill/>
+        </p:spPr>
+        <p:txBody>
+          <a:bodyPr wrap="none" rtlCol="0">
+            <a:spAutoFit/>
+          </a:bodyPr>
+          <a:lstStyle/>
+          <a:p>
+            <a:r>
+              <a:rPr lang="en-US" dirty="0"/>
+              <a:t>Rotate</a:t>
+            </a:r>
+          </a:p>
+        </p:txBody>
+      </p:sp>
+      <p:sp>
+        <p:nvSpPr>
+          <p:cNvPr id="6" name="TextBox 5">
+            <a:extLst>
+              <a:ext uri="{FF2B5EF4-FFF2-40B4-BE49-F238E27FC236}">
+                <a16:creationId xmlns:a16="http://schemas.microsoft.com/office/drawing/2014/main" id="{F59F004B-83F6-0422-9880-C7F761556ED7}"/>
+              </a:ext>
+            </a:extLst>
+          </p:cNvPr>
+          <p:cNvSpPr txBox="1"/>
+          <p:nvPr/>
+        </p:nvSpPr>
+        <p:spPr>
+          <a:xfrm>
+            <a:off x="705003" y="3244334"/>
+            <a:ext cx="866648" cy="369332"/>
+          </a:xfrm>
+          <a:prstGeom prst="rect">
+            <a:avLst/>
+          </a:prstGeom>
+          <a:noFill/>
+        </p:spPr>
+        <p:txBody>
+          <a:bodyPr wrap="none" rtlCol="0">
+            <a:spAutoFit/>
+          </a:bodyPr>
+          <a:lstStyle/>
+          <a:p>
+            <a:r>
+              <a:rPr lang="en-US" dirty="0"/>
+              <a:t>Swerve</a:t>
+            </a:r>
+          </a:p>
+        </p:txBody>
+      </p:sp>
+      <p:sp>
+        <p:nvSpPr>
+          <p:cNvPr id="7" name="TextBox 6">
+            <a:extLst>
+              <a:ext uri="{FF2B5EF4-FFF2-40B4-BE49-F238E27FC236}">
+                <a16:creationId xmlns:a16="http://schemas.microsoft.com/office/drawing/2014/main" id="{C6BDEC52-1B6F-9D81-4C06-6EEDBF3435FB}"/>
+              </a:ext>
+            </a:extLst>
+          </p:cNvPr>
+          <p:cNvSpPr txBox="1"/>
+          <p:nvPr/>
+        </p:nvSpPr>
+        <p:spPr>
+          <a:xfrm>
+            <a:off x="26343" y="2481149"/>
+            <a:ext cx="1527982" cy="369332"/>
+          </a:xfrm>
+          <a:prstGeom prst="rect">
+            <a:avLst/>
+          </a:prstGeom>
+          <a:noFill/>
+        </p:spPr>
+        <p:txBody>
+          <a:bodyPr wrap="none" rtlCol="0">
+            <a:spAutoFit/>
+          </a:bodyPr>
+          <a:lstStyle/>
+          <a:p>
+            <a:r>
+              <a:rPr lang="en-US" dirty="0"/>
+              <a:t>Balance Mode</a:t>
+            </a:r>
+          </a:p>
+        </p:txBody>
+      </p:sp>
+      <p:sp>
+        <p:nvSpPr>
+          <p:cNvPr id="8" name="TextBox 7">
+            <a:extLst>
+              <a:ext uri="{FF2B5EF4-FFF2-40B4-BE49-F238E27FC236}">
+                <a16:creationId xmlns:a16="http://schemas.microsoft.com/office/drawing/2014/main" id="{13352DA9-7F1D-57D3-D150-DBE5E7DA2AFD}"/>
+              </a:ext>
+            </a:extLst>
+          </p:cNvPr>
+          <p:cNvSpPr txBox="1"/>
+          <p:nvPr/>
+        </p:nvSpPr>
+        <p:spPr>
+          <a:xfrm>
+            <a:off x="10089867" y="2481149"/>
+            <a:ext cx="1286891" cy="369332"/>
+          </a:xfrm>
+          <a:prstGeom prst="rect">
+            <a:avLst/>
+          </a:prstGeom>
+          <a:noFill/>
+        </p:spPr>
+        <p:txBody>
+          <a:bodyPr wrap="none" rtlCol="0">
+            <a:spAutoFit/>
+          </a:bodyPr>
+          <a:lstStyle/>
+          <a:p>
+            <a:r>
+              <a:rPr lang="en-US" dirty="0"/>
+              <a:t>Drive Mode</a:t>
+            </a:r>
+          </a:p>
+        </p:txBody>
+      </p:sp>
+      <p:sp>
+        <p:nvSpPr>
+          <p:cNvPr id="9" name="TextBox 8">
+            <a:extLst>
+              <a:ext uri="{FF2B5EF4-FFF2-40B4-BE49-F238E27FC236}">
+                <a16:creationId xmlns:a16="http://schemas.microsoft.com/office/drawing/2014/main" id="{0DFA066C-FD13-3642-FC62-F98792FE62E3}"/>
+              </a:ext>
+            </a:extLst>
+          </p:cNvPr>
+          <p:cNvSpPr txBox="1"/>
+          <p:nvPr/>
+        </p:nvSpPr>
+        <p:spPr>
+          <a:xfrm>
+            <a:off x="4819689" y="180459"/>
+            <a:ext cx="1276311" cy="369332"/>
+          </a:xfrm>
+          <a:prstGeom prst="rect">
+            <a:avLst/>
+          </a:prstGeom>
+          <a:noFill/>
+        </p:spPr>
+        <p:txBody>
+          <a:bodyPr wrap="none" rtlCol="0">
+            <a:spAutoFit/>
+          </a:bodyPr>
+          <a:lstStyle/>
+          <a:p>
+            <a:r>
+              <a:rPr lang="en-US" dirty="0"/>
+              <a:t>Cube Mode</a:t>
+            </a:r>
+          </a:p>
+        </p:txBody>
+      </p:sp>
+      <p:sp>
+        <p:nvSpPr>
+          <p:cNvPr id="12" name="Right Brace 11">
+            <a:extLst>
+              <a:ext uri="{FF2B5EF4-FFF2-40B4-BE49-F238E27FC236}">
+                <a16:creationId xmlns:a16="http://schemas.microsoft.com/office/drawing/2014/main" id="{1DE3027D-8776-0A7F-8616-64DDBEFFB0F4}"/>
+              </a:ext>
+            </a:extLst>
+          </p:cNvPr>
+          <p:cNvSpPr/>
+          <p:nvPr/>
+        </p:nvSpPr>
+        <p:spPr>
+          <a:xfrm>
+            <a:off x="10089867" y="3170881"/>
+            <a:ext cx="288022" cy="1522306"/>
+          </a:xfrm>
+          <a:prstGeom prst="rightBrace">
+            <a:avLst/>
+          </a:prstGeom>
+          <a:ln w="38100">
+            <a:solidFill>
+              <a:srgbClr val="C00000"/>
+            </a:solidFill>
+          </a:ln>
+        </p:spPr>
+        <p:style>
+          <a:lnRef idx="1">
+            <a:schemeClr val="accent1"/>
+          </a:lnRef>
+          <a:fillRef idx="0">
+            <a:schemeClr val="accent1"/>
+          </a:fillRef>
+          <a:effectRef idx="0">
+            <a:schemeClr val="accent1"/>
+          </a:effectRef>
+          <a:fontRef idx="minor">
+            <a:schemeClr val="tx1"/>
+          </a:fontRef>
+        </p:style>
+        <p:txBody>
+          <a:bodyPr rtlCol="0" anchor="ctr"/>
+          <a:lstStyle/>
+          <a:p>
+            <a:pPr algn="ctr"/>
+            <a:endParaRPr lang="en-US"/>
+          </a:p>
+        </p:txBody>
+      </p:sp>
+      <p:sp>
+        <p:nvSpPr>
+          <p:cNvPr id="3" name="TextBox 2">
+            <a:extLst>
+              <a:ext uri="{FF2B5EF4-FFF2-40B4-BE49-F238E27FC236}">
+                <a16:creationId xmlns:a16="http://schemas.microsoft.com/office/drawing/2014/main" id="{DEC71A62-6902-99CD-2BBE-836F450A0ED3}"/>
+              </a:ext>
+            </a:extLst>
+          </p:cNvPr>
+          <p:cNvSpPr txBox="1"/>
+          <p:nvPr/>
+        </p:nvSpPr>
+        <p:spPr>
+          <a:xfrm>
+            <a:off x="4819688" y="549791"/>
+            <a:ext cx="1276311" cy="369332"/>
+          </a:xfrm>
+          <a:prstGeom prst="rect">
+            <a:avLst/>
+          </a:prstGeom>
+          <a:noFill/>
+        </p:spPr>
+        <p:txBody>
+          <a:bodyPr wrap="none" rtlCol="0">
+            <a:spAutoFit/>
+          </a:bodyPr>
+          <a:lstStyle/>
+          <a:p>
+            <a:r>
+              <a:rPr lang="en-US" dirty="0"/>
+              <a:t>Cone Mode</a:t>
+            </a:r>
+          </a:p>
+        </p:txBody>
+      </p:sp>
+      <p:sp>
+        <p:nvSpPr>
+          <p:cNvPr id="13" name="TextBox 12">
+            <a:extLst>
+              <a:ext uri="{FF2B5EF4-FFF2-40B4-BE49-F238E27FC236}">
+                <a16:creationId xmlns:a16="http://schemas.microsoft.com/office/drawing/2014/main" id="{BCA7ADED-200C-D264-11C3-F94DC8BEFA7D}"/>
+              </a:ext>
+            </a:extLst>
+          </p:cNvPr>
+          <p:cNvSpPr txBox="1"/>
+          <p:nvPr/>
+        </p:nvSpPr>
+        <p:spPr>
+          <a:xfrm>
+            <a:off x="6604243" y="180459"/>
+            <a:ext cx="638380" cy="369332"/>
+          </a:xfrm>
+          <a:prstGeom prst="rect">
+            <a:avLst/>
+          </a:prstGeom>
+          <a:noFill/>
+        </p:spPr>
+        <p:txBody>
+          <a:bodyPr wrap="none" rtlCol="0">
+            <a:spAutoFit/>
+          </a:bodyPr>
+          <a:lstStyle/>
+          <a:p>
+            <a:r>
+              <a:rPr lang="en-US" dirty="0"/>
+              <a:t>Grab</a:t>
+            </a:r>
+          </a:p>
+        </p:txBody>
+      </p:sp>
+      <p:sp>
+        <p:nvSpPr>
+          <p:cNvPr id="14" name="TextBox 13">
+            <a:extLst>
+              <a:ext uri="{FF2B5EF4-FFF2-40B4-BE49-F238E27FC236}">
+                <a16:creationId xmlns:a16="http://schemas.microsoft.com/office/drawing/2014/main" id="{8F5320A8-5DA5-7AA6-342B-DD745668B3E9}"/>
+              </a:ext>
+            </a:extLst>
+          </p:cNvPr>
+          <p:cNvSpPr txBox="1"/>
+          <p:nvPr/>
+        </p:nvSpPr>
+        <p:spPr>
+          <a:xfrm>
+            <a:off x="6604243" y="549791"/>
+            <a:ext cx="641522" cy="369332"/>
+          </a:xfrm>
+          <a:prstGeom prst="rect">
+            <a:avLst/>
+          </a:prstGeom>
+          <a:noFill/>
+        </p:spPr>
+        <p:txBody>
+          <a:bodyPr wrap="none" rtlCol="0">
+            <a:spAutoFit/>
+          </a:bodyPr>
+          <a:lstStyle/>
+          <a:p>
+            <a:r>
+              <a:rPr lang="en-US" dirty="0"/>
+              <a:t>Eject</a:t>
+            </a:r>
+          </a:p>
+        </p:txBody>
+      </p:sp>
+      <p:sp>
+        <p:nvSpPr>
+          <p:cNvPr id="15" name="TextBox 14">
+            <a:extLst>
+              <a:ext uri="{FF2B5EF4-FFF2-40B4-BE49-F238E27FC236}">
+                <a16:creationId xmlns:a16="http://schemas.microsoft.com/office/drawing/2014/main" id="{6CB5C5A1-764A-A7F5-5B9F-D10B984FA0FB}"/>
+              </a:ext>
+            </a:extLst>
+          </p:cNvPr>
+          <p:cNvSpPr txBox="1"/>
+          <p:nvPr/>
+        </p:nvSpPr>
+        <p:spPr>
+          <a:xfrm>
+            <a:off x="7916850" y="172891"/>
+            <a:ext cx="1249060" cy="369332"/>
+          </a:xfrm>
+          <a:prstGeom prst="rect">
+            <a:avLst/>
+          </a:prstGeom>
+          <a:noFill/>
+        </p:spPr>
+        <p:txBody>
+          <a:bodyPr wrap="none" rtlCol="0">
+            <a:spAutoFit/>
+          </a:bodyPr>
+          <a:lstStyle/>
+          <a:p>
+            <a:r>
+              <a:rPr lang="en-US" dirty="0"/>
+              <a:t>Near Mode</a:t>
+            </a:r>
+          </a:p>
+        </p:txBody>
+      </p:sp>
+      <p:sp>
+        <p:nvSpPr>
+          <p:cNvPr id="16" name="TextBox 15">
+            <a:extLst>
+              <a:ext uri="{FF2B5EF4-FFF2-40B4-BE49-F238E27FC236}">
+                <a16:creationId xmlns:a16="http://schemas.microsoft.com/office/drawing/2014/main" id="{C89962BC-0DDA-12AC-7F7C-88DB75F1BCC9}"/>
+              </a:ext>
+            </a:extLst>
+          </p:cNvPr>
+          <p:cNvSpPr txBox="1"/>
+          <p:nvPr/>
+        </p:nvSpPr>
+        <p:spPr>
+          <a:xfrm>
+            <a:off x="7916850" y="549791"/>
+            <a:ext cx="1165704" cy="369332"/>
+          </a:xfrm>
+          <a:prstGeom prst="rect">
+            <a:avLst/>
+          </a:prstGeom>
+          <a:noFill/>
+        </p:spPr>
+        <p:txBody>
+          <a:bodyPr wrap="none" rtlCol="0">
+            <a:spAutoFit/>
+          </a:bodyPr>
+          <a:lstStyle/>
+          <a:p>
+            <a:r>
+              <a:rPr lang="en-US" dirty="0"/>
+              <a:t>Mid Mode</a:t>
+            </a:r>
+          </a:p>
+        </p:txBody>
+      </p:sp>
+      <p:sp>
+        <p:nvSpPr>
+          <p:cNvPr id="17" name="TextBox 16">
+            <a:extLst>
+              <a:ext uri="{FF2B5EF4-FFF2-40B4-BE49-F238E27FC236}">
+                <a16:creationId xmlns:a16="http://schemas.microsoft.com/office/drawing/2014/main" id="{23473A94-F06F-3C14-0B29-D3D6E678C309}"/>
+              </a:ext>
+            </a:extLst>
+          </p:cNvPr>
+          <p:cNvSpPr txBox="1"/>
+          <p:nvPr/>
+        </p:nvSpPr>
+        <p:spPr>
+          <a:xfrm>
+            <a:off x="7916850" y="926691"/>
+            <a:ext cx="1084143" cy="369332"/>
+          </a:xfrm>
+          <a:prstGeom prst="rect">
+            <a:avLst/>
+          </a:prstGeom>
+          <a:noFill/>
+        </p:spPr>
+        <p:txBody>
+          <a:bodyPr wrap="none" rtlCol="0">
+            <a:spAutoFit/>
+          </a:bodyPr>
+          <a:lstStyle/>
+          <a:p>
+            <a:r>
+              <a:rPr lang="en-US" dirty="0"/>
+              <a:t>Far Mode</a:t>
+            </a:r>
+          </a:p>
+        </p:txBody>
+      </p:sp>
+    </p:spTree>
+    <p:extLst>
+      <p:ext uri="{BB962C8B-B14F-4D97-AF65-F5344CB8AC3E}">
+        <p14:creationId xmlns:p14="http://schemas.microsoft.com/office/powerpoint/2010/main" val="3626159547"/>
+      </p:ext>
+    </p:extLst>
+  </p:cSld>
+  <p:clrMapOvr>
+    <a:masterClrMapping/>
+  </p:clrMapOvr>
+</p:sld>
+</file>
+
 <file path=ppt/theme/theme1.xml><?xml version="1.0" encoding="utf-8"?>
 <a:theme xmlns:a="http://schemas.openxmlformats.org/drawingml/2006/main" name="Office Theme 2013 - 2022">
   <a:themeElements>
